--- a/materials/slides/ch04-02.pptx
+++ b/materials/slides/ch04-02.pptx
@@ -185,7 +185,7 @@
   </p:defaultTextStyle>
   <p:extLst>
     <p:ext uri="{EFAFB233-063F-42B5-8137-9DF3F51BA10A}">
-      <p15:sldGuideLst xmlns:p15="http://schemas.microsoft.com/office/powerpoint/2012/main" xmlns="">
+      <p15:sldGuideLst xmlns="" xmlns:p15="http://schemas.microsoft.com/office/powerpoint/2012/main">
         <p15:guide id="1" orient="horz" pos="2161" userDrawn="1">
           <p15:clr>
             <a:srgbClr val="A4A3A4"/>
@@ -1237,8 +1237,8 @@
   </dgm:ptLst>
   <dgm:cxnLst>
     <dgm:cxn modelId="{9FB137B5-2EFD-4EE2-8C5A-AFCA6D943E18}" type="presOf" srcId="{236FF0EC-12F5-4490-8C11-7825CB975098}" destId="{5784C035-D387-4FD2-9001-EAA95F3E4F9B}" srcOrd="0" destOrd="0" presId="urn:microsoft.com/office/officeart/2005/8/layout/chevron2"/>
+    <dgm:cxn modelId="{543BE9BA-E0FC-45A1-A9D9-C74E6CEC2405}" type="presOf" srcId="{9687632D-B9B6-440A-B8EE-546DF18816B5}" destId="{8DA687D8-4857-4C4D-9D4E-45B08006E5A8}" srcOrd="0" destOrd="0" presId="urn:microsoft.com/office/officeart/2005/8/layout/chevron2"/>
     <dgm:cxn modelId="{D17FB634-4153-4FB2-8C26-8147C400C0F8}" type="presOf" srcId="{715AFA4C-5ABD-4B1D-B776-1C06854C5422}" destId="{CD78EC79-F43E-43B7-B894-84C9A84E3816}" srcOrd="0" destOrd="0" presId="urn:microsoft.com/office/officeart/2005/8/layout/chevron2"/>
-    <dgm:cxn modelId="{543BE9BA-E0FC-45A1-A9D9-C74E6CEC2405}" type="presOf" srcId="{9687632D-B9B6-440A-B8EE-546DF18816B5}" destId="{8DA687D8-4857-4C4D-9D4E-45B08006E5A8}" srcOrd="0" destOrd="0" presId="urn:microsoft.com/office/officeart/2005/8/layout/chevron2"/>
     <dgm:cxn modelId="{D3E9332B-72C2-497C-9B09-574E2FF4D005}" srcId="{715AFA4C-5ABD-4B1D-B776-1C06854C5422}" destId="{F6E5533D-040E-4B64-BD20-43BC46A10329}" srcOrd="0" destOrd="0" parTransId="{7C152878-94F7-4A72-A9A7-44F2496F1FCE}" sibTransId="{89903BEA-73BD-4F26-9665-BD18841C53CC}"/>
     <dgm:cxn modelId="{F73B6836-E4E6-489C-8F30-CCC21E57B480}" type="presOf" srcId="{F6E5533D-040E-4B64-BD20-43BC46A10329}" destId="{B93DE336-1684-46C9-8C8E-88B51C5E7FAE}" srcOrd="0" destOrd="0" presId="urn:microsoft.com/office/officeart/2005/8/layout/chevron2"/>
     <dgm:cxn modelId="{F28EE011-9BFD-49AA-BF33-AD9EB0963DE3}" srcId="{9687632D-B9B6-440A-B8EE-546DF18816B5}" destId="{236FF0EC-12F5-4490-8C11-7825CB975098}" srcOrd="0" destOrd="0" parTransId="{97752D58-9C2C-4DD9-87EC-B8B246429827}" sibTransId="{02D02D00-0EA9-4B12-B5AD-B64430A0BDC4}"/>
@@ -2725,7 +2725,7 @@
               <a:pPr>
                 <a:defRPr/>
               </a:pPr>
-              <a:t>8/31/2018</a:t>
+              <a:t>10/8/2018</a:t>
             </a:fld>
             <a:endParaRPr lang="en-US"/>
           </a:p>
@@ -11857,21 +11857,21 @@
                 <a:gridCol w="2664296">
                   <a:extLst>
                     <a:ext uri="{9D8B030D-6E8A-4147-A177-3AD203B41FA5}">
-                      <a16:colId xmlns="" xmlns:a16="http://schemas.microsoft.com/office/drawing/2014/main" val="20000"/>
+                      <a16:colId xmlns:a16="http://schemas.microsoft.com/office/drawing/2014/main" xmlns="" val="20000"/>
                     </a:ext>
                   </a:extLst>
                 </a:gridCol>
                 <a:gridCol w="3312368">
                   <a:extLst>
                     <a:ext uri="{9D8B030D-6E8A-4147-A177-3AD203B41FA5}">
-                      <a16:colId xmlns="" xmlns:a16="http://schemas.microsoft.com/office/drawing/2014/main" val="20001"/>
+                      <a16:colId xmlns:a16="http://schemas.microsoft.com/office/drawing/2014/main" xmlns="" val="20001"/>
                     </a:ext>
                   </a:extLst>
                 </a:gridCol>
                 <a:gridCol w="3528392">
                   <a:extLst>
                     <a:ext uri="{9D8B030D-6E8A-4147-A177-3AD203B41FA5}">
-                      <a16:colId xmlns="" xmlns:a16="http://schemas.microsoft.com/office/drawing/2014/main" val="20002"/>
+                      <a16:colId xmlns:a16="http://schemas.microsoft.com/office/drawing/2014/main" xmlns="" val="20002"/>
                     </a:ext>
                   </a:extLst>
                 </a:gridCol>
@@ -12117,7 +12117,7 @@
                 </a:tc>
                 <a:extLst>
                   <a:ext uri="{0D108BD9-81ED-4DB2-BD59-A6C34878D82A}">
-                    <a16:rowId xmlns="" xmlns:a16="http://schemas.microsoft.com/office/drawing/2014/main" val="10000"/>
+                    <a16:rowId xmlns:a16="http://schemas.microsoft.com/office/drawing/2014/main" xmlns="" val="10000"/>
                   </a:ext>
                 </a:extLst>
               </a:tr>
@@ -12366,7 +12366,7 @@
                 </a:tc>
                 <a:extLst>
                   <a:ext uri="{0D108BD9-81ED-4DB2-BD59-A6C34878D82A}">
-                    <a16:rowId xmlns="" xmlns:a16="http://schemas.microsoft.com/office/drawing/2014/main" val="10001"/>
+                    <a16:rowId xmlns:a16="http://schemas.microsoft.com/office/drawing/2014/main" xmlns="" val="10001"/>
                   </a:ext>
                 </a:extLst>
               </a:tr>
@@ -12652,7 +12652,7 @@
                 </a:tc>
                 <a:extLst>
                   <a:ext uri="{0D108BD9-81ED-4DB2-BD59-A6C34878D82A}">
-                    <a16:rowId xmlns="" xmlns:a16="http://schemas.microsoft.com/office/drawing/2014/main" val="10002"/>
+                    <a16:rowId xmlns:a16="http://schemas.microsoft.com/office/drawing/2014/main" xmlns="" val="10002"/>
                   </a:ext>
                 </a:extLst>
               </a:tr>
@@ -12916,7 +12916,7 @@
                 </a:tc>
                 <a:extLst>
                   <a:ext uri="{0D108BD9-81ED-4DB2-BD59-A6C34878D82A}">
-                    <a16:rowId xmlns="" xmlns:a16="http://schemas.microsoft.com/office/drawing/2014/main" val="10003"/>
+                    <a16:rowId xmlns:a16="http://schemas.microsoft.com/office/drawing/2014/main" xmlns="" val="10003"/>
                   </a:ext>
                 </a:extLst>
               </a:tr>
@@ -34550,21 +34550,21 @@
                 <a:ea typeface="华文楷体" pitchFamily="2" charset="-122"/>
                 <a:cs typeface="Courier New" pitchFamily="49" charset="0"/>
               </a:rPr>
-              <a:t>public class Student</a:t>
-            </a:r>
-            <a:endParaRPr lang="en-US" altLang="zh-CN" b="1" dirty="0">
-              <a:solidFill>
-                <a:srgbClr val="00B050"/>
-              </a:solidFill>
-              <a:latin typeface="Consolas" panose="020B0609020204030204" pitchFamily="49" charset="0"/>
-              <a:ea typeface="华文楷体" pitchFamily="2" charset="-122"/>
-              <a:cs typeface="Courier New" pitchFamily="49" charset="0"/>
-            </a:endParaRPr>
-          </a:p>
-          <a:p>
-            <a:pPr eaLnBrk="1" hangingPunct="1"/>
-            <a:r>
-              <a:rPr lang="en-US" altLang="zh-CN" b="1" dirty="0">
+              <a:t>public class </a:t>
+            </a:r>
+            <a:r>
+              <a:rPr lang="en-US" altLang="zh-CN" b="1" dirty="0" smtClean="0">
+                <a:solidFill>
+                  <a:srgbClr val="00B050"/>
+                </a:solidFill>
+                <a:latin typeface="Consolas" panose="020B0609020204030204" pitchFamily="49" charset="0"/>
+                <a:ea typeface="华文楷体" pitchFamily="2" charset="-122"/>
+                <a:cs typeface="Courier New" pitchFamily="49" charset="0"/>
+              </a:rPr>
+              <a:t>Student</a:t>
+            </a:r>
+            <a:r>
+              <a:rPr lang="en-US" altLang="zh-CN" b="1" dirty="0" smtClean="0">
                 <a:solidFill>
                   <a:schemeClr val="tx1">
                     <a:lumMod val="75000"/>
@@ -34577,71 +34577,33 @@
               </a:rPr>
               <a:t>{</a:t>
             </a:r>
-          </a:p>
-          <a:p>
-            <a:pPr eaLnBrk="1" hangingPunct="1"/>
-            <a:r>
-              <a:rPr lang="en-US" altLang="zh-CN" b="1" dirty="0">
-                <a:solidFill>
-                  <a:schemeClr val="accent1">
-                    <a:lumMod val="50000"/>
-                  </a:schemeClr>
-                </a:solidFill>
-                <a:latin typeface="Consolas" panose="020B0609020204030204" pitchFamily="49" charset="0"/>
-                <a:ea typeface="华文楷体" pitchFamily="2" charset="-122"/>
-                <a:cs typeface="Courier New" pitchFamily="49" charset="0"/>
-              </a:rPr>
-              <a:t>    </a:t>
-            </a:r>
-            <a:r>
-              <a:rPr lang="en-US" altLang="zh-CN" b="1" dirty="0" smtClean="0">
-                <a:solidFill>
-                  <a:schemeClr val="accent1">
-                    <a:lumMod val="50000"/>
-                  </a:schemeClr>
-                </a:solidFill>
-                <a:latin typeface="Consolas" panose="020B0609020204030204" pitchFamily="49" charset="0"/>
-                <a:ea typeface="华文楷体" pitchFamily="2" charset="-122"/>
-                <a:cs typeface="Courier New" pitchFamily="49" charset="0"/>
-              </a:rPr>
-              <a:t>public void </a:t>
-            </a:r>
-            <a:r>
-              <a:rPr lang="en-US" altLang="zh-CN" b="1" dirty="0">
-                <a:solidFill>
-                  <a:schemeClr val="accent1">
-                    <a:lumMod val="50000"/>
-                  </a:schemeClr>
-                </a:solidFill>
-                <a:latin typeface="Consolas" panose="020B0609020204030204" pitchFamily="49" charset="0"/>
-                <a:ea typeface="华文楷体" pitchFamily="2" charset="-122"/>
-                <a:cs typeface="Courier New" pitchFamily="49" charset="0"/>
-              </a:rPr>
-              <a:t>study</a:t>
-            </a:r>
-            <a:r>
-              <a:rPr lang="en-US" altLang="zh-CN" b="1" dirty="0" smtClean="0">
-                <a:solidFill>
-                  <a:schemeClr val="accent1">
-                    <a:lumMod val="50000"/>
-                  </a:schemeClr>
-                </a:solidFill>
-                <a:latin typeface="Consolas" panose="020B0609020204030204" pitchFamily="49" charset="0"/>
-                <a:ea typeface="华文楷体" pitchFamily="2" charset="-122"/>
-                <a:cs typeface="Courier New" pitchFamily="49" charset="0"/>
-              </a:rPr>
-              <a:t>(){}</a:t>
-            </a:r>
             <a:endParaRPr lang="en-US" altLang="zh-CN" b="1" dirty="0">
               <a:solidFill>
-                <a:schemeClr val="accent1">
-                  <a:lumMod val="50000"/>
+                <a:schemeClr val="tx1">
+                  <a:lumMod val="75000"/>
+                  <a:lumOff val="25000"/>
                 </a:schemeClr>
               </a:solidFill>
               <a:latin typeface="Consolas" panose="020B0609020204030204" pitchFamily="49" charset="0"/>
               <a:ea typeface="华文楷体" pitchFamily="2" charset="-122"/>
               <a:cs typeface="Courier New" pitchFamily="49" charset="0"/>
             </a:endParaRPr>
+          </a:p>
+          <a:p>
+            <a:pPr eaLnBrk="1" hangingPunct="1"/>
+            <a:r>
+              <a:rPr lang="en-US" altLang="zh-CN" b="1" dirty="0">
+                <a:solidFill>
+                  <a:schemeClr val="accent1">
+                    <a:lumMod val="50000"/>
+                  </a:schemeClr>
+                </a:solidFill>
+                <a:latin typeface="Consolas" panose="020B0609020204030204" pitchFamily="49" charset="0"/>
+                <a:ea typeface="华文楷体" pitchFamily="2" charset="-122"/>
+                <a:cs typeface="Courier New" pitchFamily="49" charset="0"/>
+              </a:rPr>
+              <a:t>   </a:t>
+            </a:r>
           </a:p>
           <a:p>
             <a:pPr eaLnBrk="1" hangingPunct="1"/>
@@ -34778,7 +34740,47 @@
                 <a:ea typeface="华文楷体" pitchFamily="2" charset="-122"/>
                 <a:cs typeface="Courier New" pitchFamily="49" charset="0"/>
               </a:rPr>
-              <a:t>    age;</a:t>
+              <a:t>    age</a:t>
+            </a:r>
+            <a:r>
+              <a:rPr lang="en-US" altLang="zh-CN" b="1" dirty="0" smtClean="0">
+                <a:solidFill>
+                  <a:srgbClr val="C00000"/>
+                </a:solidFill>
+                <a:latin typeface="Consolas" panose="020B0609020204030204" pitchFamily="49" charset="0"/>
+                <a:ea typeface="华文楷体" pitchFamily="2" charset="-122"/>
+                <a:cs typeface="Courier New" pitchFamily="49" charset="0"/>
+              </a:rPr>
+              <a:t>;</a:t>
+            </a:r>
+          </a:p>
+          <a:p>
+            <a:pPr eaLnBrk="1" hangingPunct="1"/>
+            <a:r>
+              <a:rPr lang="en-US" altLang="zh-CN" b="1" dirty="0" smtClean="0">
+                <a:solidFill>
+                  <a:schemeClr val="accent1">
+                    <a:lumMod val="50000"/>
+                  </a:schemeClr>
+                </a:solidFill>
+                <a:latin typeface="Consolas" panose="020B0609020204030204" pitchFamily="49" charset="0"/>
+                <a:ea typeface="华文楷体" pitchFamily="2" charset="-122"/>
+                <a:cs typeface="Courier New" pitchFamily="49" charset="0"/>
+              </a:rPr>
+              <a:t>    public </a:t>
+            </a:r>
+            <a:r>
+              <a:rPr lang="en-US" altLang="zh-CN" b="1" dirty="0">
+                <a:solidFill>
+                  <a:schemeClr val="accent1">
+                    <a:lumMod val="50000"/>
+                  </a:schemeClr>
+                </a:solidFill>
+                <a:latin typeface="Consolas" panose="020B0609020204030204" pitchFamily="49" charset="0"/>
+                <a:ea typeface="华文楷体" pitchFamily="2" charset="-122"/>
+                <a:cs typeface="Courier New" pitchFamily="49" charset="0"/>
+              </a:rPr>
+              <a:t>void study(){}</a:t>
             </a:r>
             <a:endParaRPr lang="en-US" altLang="zh-CN" b="1" dirty="0">
               <a:solidFill>
@@ -35281,7 +35283,7 @@
           <a:graphicData uri="http://schemas.openxmlformats.org/presentationml/2006/ole">
             <mc:AlternateContent xmlns:mc="http://schemas.openxmlformats.org/markup-compatibility/2006">
               <mc:Choice xmlns:v="urn:schemas-microsoft-com:vml" Requires="v">
-                <p:oleObj spid="_x0000_s12625" name="BMP 图像" r:id="rId3" imgW="3333333" imgH="1952898" progId="Paint.Picture">
+                <p:oleObj spid="_x0000_s12628" name="BMP 图像" r:id="rId3" imgW="3333333" imgH="1952898" progId="Paint.Picture">
                   <p:embed/>
                 </p:oleObj>
               </mc:Choice>
